--- a/Presentations/SecondPresentation.pptx
+++ b/Presentations/SecondPresentation.pptx
@@ -6081,7 +6081,7 @@
             </a:br>
             <a:r>
               <a:rPr lang="en-GB" sz="2800" dirty="0"/>
-              <a:t>IMDCGD214 managing Games production</a:t>
+              <a:t>IMDCGD214 Managing Games production</a:t>
             </a:r>
             <a:br>
               <a:rPr lang="en-GB" sz="2800" dirty="0"/>
@@ -6094,7 +6094,7 @@
             </a:br>
             <a:r>
               <a:rPr lang="en-GB" sz="4000" dirty="0"/>
-              <a:t>Level4/5 Group 16</a:t>
+              <a:t>Level 4/5 Group 16</a:t>
             </a:r>
             <a:br>
               <a:rPr lang="en-GB" sz="4000" dirty="0"/>
@@ -6188,12 +6188,89 @@
             <p:ph idx="1"/>
           </p:nvPr>
         </p:nvSpPr>
-        <p:spPr/>
-        <p:txBody>
-          <a:bodyPr/>
-          <a:lstStyle/>
-          <a:p>
-            <a:endParaRPr lang="en-GB"/>
+        <p:spPr>
+          <a:xfrm>
+            <a:off x="685346" y="1732450"/>
+            <a:ext cx="7765322" cy="4501296"/>
+          </a:xfrm>
+        </p:spPr>
+        <p:txBody>
+          <a:bodyPr>
+            <a:normAutofit fontScale="92500" lnSpcReduction="10000"/>
+          </a:bodyPr>
+          <a:lstStyle/>
+          <a:p>
+            <a:r>
+              <a:rPr lang="en-GB" dirty="0"/>
+              <a:t>Only a small minority immediately understood the goals</a:t>
+            </a:r>
+          </a:p>
+          <a:p>
+            <a:endParaRPr lang="en-GB" dirty="0"/>
+          </a:p>
+          <a:p>
+            <a:r>
+              <a:rPr lang="en-GB" dirty="0"/>
+              <a:t>Player likes:</a:t>
+            </a:r>
+          </a:p>
+          <a:p>
+            <a:pPr lvl="1"/>
+            <a:r>
+              <a:rPr lang="en-GB" dirty="0"/>
+              <a:t>Rebounding physics</a:t>
+            </a:r>
+          </a:p>
+          <a:p>
+            <a:pPr lvl="1"/>
+            <a:r>
+              <a:rPr lang="en-GB" dirty="0"/>
+              <a:t>Dynamic obstacles</a:t>
+            </a:r>
+          </a:p>
+          <a:p>
+            <a:pPr lvl="1"/>
+            <a:r>
+              <a:rPr lang="en-GB" dirty="0"/>
+              <a:t>Unpredictability</a:t>
+            </a:r>
+          </a:p>
+          <a:p>
+            <a:pPr lvl="1"/>
+            <a:r>
+              <a:rPr lang="en-GB" dirty="0"/>
+              <a:t>LPM</a:t>
+            </a:r>
+          </a:p>
+          <a:p>
+            <a:endParaRPr lang="en-GB" dirty="0"/>
+          </a:p>
+          <a:p>
+            <a:r>
+              <a:rPr lang="en-GB" dirty="0"/>
+              <a:t>Player dislikes:</a:t>
+            </a:r>
+          </a:p>
+          <a:p>
+            <a:pPr lvl="1"/>
+            <a:r>
+              <a:rPr lang="en-GB" dirty="0"/>
+              <a:t>Lack of obstacles in levels</a:t>
+            </a:r>
+          </a:p>
+          <a:p>
+            <a:pPr lvl="1"/>
+            <a:r>
+              <a:rPr lang="en-GB" dirty="0"/>
+              <a:t>Players unsure of different balls behaviour</a:t>
+            </a:r>
+          </a:p>
+          <a:p>
+            <a:pPr lvl="1"/>
+            <a:r>
+              <a:rPr lang="en-GB" dirty="0"/>
+              <a:t>Players want multiple balls in play</a:t>
+            </a:r>
           </a:p>
         </p:txBody>
       </p:sp>
@@ -6221,6 +6298,35 @@
             <a:r>
               <a:rPr lang="en-GB" u="sng" dirty="0"/>
               <a:t>Playtesting feedback</a:t>
+            </a:r>
+          </a:p>
+        </p:txBody>
+      </p:sp>
+      <p:sp>
+        <p:nvSpPr>
+          <p:cNvPr id="5" name="TextBox 4"/>
+          <p:cNvSpPr txBox="1"/>
+          <p:nvPr/>
+        </p:nvSpPr>
+        <p:spPr>
+          <a:xfrm>
+            <a:off x="0" y="6488668"/>
+            <a:ext cx="1037492" cy="369332"/>
+          </a:xfrm>
+          <a:prstGeom prst="rect">
+            <a:avLst/>
+          </a:prstGeom>
+          <a:noFill/>
+        </p:spPr>
+        <p:txBody>
+          <a:bodyPr wrap="square" rtlCol="0">
+            <a:spAutoFit/>
+          </a:bodyPr>
+          <a:lstStyle/>
+          <a:p>
+            <a:r>
+              <a:rPr lang="en-GB" dirty="0"/>
+              <a:t>.</a:t>
             </a:r>
           </a:p>
         </p:txBody>
@@ -6546,7 +6652,7 @@
           <a:p>
             <a:r>
               <a:rPr lang="en-GB" sz="1600" dirty="0"/>
-              <a:t>Joseph Barber:		15</a:t>
+              <a:t>Joseph Barber:		19h 25m</a:t>
             </a:r>
           </a:p>
           <a:p>
@@ -6567,7 +6673,7 @@
             </a:r>
             <a:r>
               <a:rPr lang="en-GB" sz="1600" dirty="0"/>
-              <a:t>:		8</a:t>
+              <a:t>:		11h</a:t>
             </a:r>
           </a:p>
           <a:p>
@@ -6584,7 +6690,7 @@
             </a:r>
             <a:r>
               <a:rPr lang="en-GB" sz="1600" dirty="0"/>
-              <a:t>:	11</a:t>
+              <a:t>:	22h</a:t>
             </a:r>
           </a:p>
           <a:p>
@@ -6593,7 +6699,7 @@
           <a:p>
             <a:r>
               <a:rPr lang="en-GB" sz="1600" dirty="0"/>
-              <a:t>Caitlin White:		17</a:t>
+              <a:t>Caitlin White:		22h 10m</a:t>
             </a:r>
           </a:p>
           <a:p>
@@ -6841,6 +6947,35 @@
           </a:extLst>
         </p:spPr>
       </p:pic>
+      <p:sp>
+        <p:nvSpPr>
+          <p:cNvPr id="5" name="TextBox 4"/>
+          <p:cNvSpPr txBox="1"/>
+          <p:nvPr/>
+        </p:nvSpPr>
+        <p:spPr>
+          <a:xfrm>
+            <a:off x="0" y="6488668"/>
+            <a:ext cx="624254" cy="369332"/>
+          </a:xfrm>
+          <a:prstGeom prst="rect">
+            <a:avLst/>
+          </a:prstGeom>
+          <a:noFill/>
+        </p:spPr>
+        <p:txBody>
+          <a:bodyPr wrap="square" rtlCol="0">
+            <a:spAutoFit/>
+          </a:bodyPr>
+          <a:lstStyle/>
+          <a:p>
+            <a:r>
+              <a:rPr lang="en-GB" dirty="0"/>
+              <a:t>IO</a:t>
+            </a:r>
+          </a:p>
+        </p:txBody>
+      </p:sp>
     </p:spTree>
     <p:extLst>
       <p:ext uri="{BB962C8B-B14F-4D97-AF65-F5344CB8AC3E}">
@@ -7021,6 +7156,35 @@
           </a:extLst>
         </p:spPr>
       </p:pic>
+      <p:sp>
+        <p:nvSpPr>
+          <p:cNvPr id="5" name="TextBox 4"/>
+          <p:cNvSpPr txBox="1"/>
+          <p:nvPr/>
+        </p:nvSpPr>
+        <p:spPr>
+          <a:xfrm>
+            <a:off x="0" y="6488668"/>
+            <a:ext cx="624254" cy="369332"/>
+          </a:xfrm>
+          <a:prstGeom prst="rect">
+            <a:avLst/>
+          </a:prstGeom>
+          <a:noFill/>
+        </p:spPr>
+        <p:txBody>
+          <a:bodyPr wrap="square" rtlCol="0">
+            <a:spAutoFit/>
+          </a:bodyPr>
+          <a:lstStyle/>
+          <a:p>
+            <a:r>
+              <a:rPr lang="en-GB" dirty="0"/>
+              <a:t>CW</a:t>
+            </a:r>
+          </a:p>
+        </p:txBody>
+      </p:sp>
     </p:spTree>
     <p:extLst>
       <p:ext uri="{BB962C8B-B14F-4D97-AF65-F5344CB8AC3E}">
@@ -7291,6 +7455,35 @@
           </a:p>
         </p:txBody>
       </p:sp>
+      <p:sp>
+        <p:nvSpPr>
+          <p:cNvPr id="11" name="TextBox 10"/>
+          <p:cNvSpPr txBox="1"/>
+          <p:nvPr/>
+        </p:nvSpPr>
+        <p:spPr>
+          <a:xfrm>
+            <a:off x="0" y="6488668"/>
+            <a:ext cx="624254" cy="369332"/>
+          </a:xfrm>
+          <a:prstGeom prst="rect">
+            <a:avLst/>
+          </a:prstGeom>
+          <a:noFill/>
+        </p:spPr>
+        <p:txBody>
+          <a:bodyPr wrap="square" rtlCol="0">
+            <a:spAutoFit/>
+          </a:bodyPr>
+          <a:lstStyle/>
+          <a:p>
+            <a:r>
+              <a:rPr lang="en-GB" dirty="0"/>
+              <a:t>CK</a:t>
+            </a:r>
+          </a:p>
+        </p:txBody>
+      </p:sp>
     </p:spTree>
     <p:extLst>
       <p:ext uri="{BB962C8B-B14F-4D97-AF65-F5344CB8AC3E}">
@@ -7513,6 +7706,35 @@
           </a:extLst>
         </p:spPr>
       </p:pic>
+      <p:sp>
+        <p:nvSpPr>
+          <p:cNvPr id="8" name="TextBox 7"/>
+          <p:cNvSpPr txBox="1"/>
+          <p:nvPr/>
+        </p:nvSpPr>
+        <p:spPr>
+          <a:xfrm>
+            <a:off x="0" y="6488668"/>
+            <a:ext cx="624254" cy="369332"/>
+          </a:xfrm>
+          <a:prstGeom prst="rect">
+            <a:avLst/>
+          </a:prstGeom>
+          <a:noFill/>
+        </p:spPr>
+        <p:txBody>
+          <a:bodyPr wrap="square" rtlCol="0">
+            <a:spAutoFit/>
+          </a:bodyPr>
+          <a:lstStyle/>
+          <a:p>
+            <a:r>
+              <a:rPr lang="en-GB" dirty="0"/>
+              <a:t>JB</a:t>
+            </a:r>
+          </a:p>
+        </p:txBody>
+      </p:sp>
     </p:spTree>
     <p:extLst>
       <p:ext uri="{BB962C8B-B14F-4D97-AF65-F5344CB8AC3E}">
@@ -7670,6 +7892,35 @@
           </a:prstGeom>
         </p:spPr>
       </p:pic>
+      <p:sp>
+        <p:nvSpPr>
+          <p:cNvPr id="5" name="TextBox 4"/>
+          <p:cNvSpPr txBox="1"/>
+          <p:nvPr/>
+        </p:nvSpPr>
+        <p:spPr>
+          <a:xfrm>
+            <a:off x="0" y="6488668"/>
+            <a:ext cx="624254" cy="369332"/>
+          </a:xfrm>
+          <a:prstGeom prst="rect">
+            <a:avLst/>
+          </a:prstGeom>
+          <a:noFill/>
+        </p:spPr>
+        <p:txBody>
+          <a:bodyPr wrap="square" rtlCol="0">
+            <a:spAutoFit/>
+          </a:bodyPr>
+          <a:lstStyle/>
+          <a:p>
+            <a:r>
+              <a:rPr lang="en-GB" dirty="0"/>
+              <a:t>CK</a:t>
+            </a:r>
+          </a:p>
+        </p:txBody>
+      </p:sp>
     </p:spTree>
     <p:extLst>
       <p:ext uri="{BB962C8B-B14F-4D97-AF65-F5344CB8AC3E}">
@@ -8134,6 +8385,35 @@
           </a:extLst>
         </p:spPr>
       </p:pic>
+      <p:sp>
+        <p:nvSpPr>
+          <p:cNvPr id="13" name="TextBox 12"/>
+          <p:cNvSpPr txBox="1"/>
+          <p:nvPr/>
+        </p:nvSpPr>
+        <p:spPr>
+          <a:xfrm>
+            <a:off x="-1" y="6488668"/>
+            <a:ext cx="1222132" cy="369332"/>
+          </a:xfrm>
+          <a:prstGeom prst="rect">
+            <a:avLst/>
+          </a:prstGeom>
+          <a:noFill/>
+        </p:spPr>
+        <p:txBody>
+          <a:bodyPr wrap="square" rtlCol="0">
+            <a:spAutoFit/>
+          </a:bodyPr>
+          <a:lstStyle/>
+          <a:p>
+            <a:r>
+              <a:rPr lang="en-GB" dirty="0"/>
+              <a:t>IO &amp; CW</a:t>
+            </a:r>
+          </a:p>
+        </p:txBody>
+      </p:sp>
     </p:spTree>
     <p:extLst>
       <p:ext uri="{BB962C8B-B14F-4D97-AF65-F5344CB8AC3E}">
@@ -8289,6 +8569,35 @@
           </a:extLst>
         </p:spPr>
       </p:pic>
+      <p:sp>
+        <p:nvSpPr>
+          <p:cNvPr id="5" name="TextBox 4"/>
+          <p:cNvSpPr txBox="1"/>
+          <p:nvPr/>
+        </p:nvSpPr>
+        <p:spPr>
+          <a:xfrm>
+            <a:off x="0" y="6488668"/>
+            <a:ext cx="624254" cy="369332"/>
+          </a:xfrm>
+          <a:prstGeom prst="rect">
+            <a:avLst/>
+          </a:prstGeom>
+          <a:noFill/>
+        </p:spPr>
+        <p:txBody>
+          <a:bodyPr wrap="square" rtlCol="0">
+            <a:spAutoFit/>
+          </a:bodyPr>
+          <a:lstStyle/>
+          <a:p>
+            <a:r>
+              <a:rPr lang="en-GB" dirty="0"/>
+              <a:t>JB</a:t>
+            </a:r>
+          </a:p>
+        </p:txBody>
+      </p:sp>
     </p:spTree>
     <p:extLst>
       <p:ext uri="{BB962C8B-B14F-4D97-AF65-F5344CB8AC3E}">
